--- a/NTUAC-New/SWITCHING_TASK/Swi_Sec4_亮平粗_1.5S_100Tr_5Le/SWI4.pptx
+++ b/NTUAC-New/SWITCHING_TASK/Swi_Sec4_亮平粗_1.5S_100Tr_5Le/SWI4.pptx
@@ -256,7 +256,7 @@
           <a:p>
             <a:fld id="{823CD612-5FE4-4A6B-A555-8A7E4E64E34C}" type="datetimeFigureOut">
               <a:rPr lang="zh-TW" altLang="en-US" smtClean="0"/>
-              <a:t>2015/12/5</a:t>
+              <a:t>2016/12/10</a:t>
             </a:fld>
             <a:endParaRPr lang="zh-TW" altLang="en-US"/>
           </a:p>
@@ -426,7 +426,7 @@
           <a:p>
             <a:fld id="{823CD612-5FE4-4A6B-A555-8A7E4E64E34C}" type="datetimeFigureOut">
               <a:rPr lang="zh-TW" altLang="en-US" smtClean="0"/>
-              <a:t>2015/12/5</a:t>
+              <a:t>2016/12/10</a:t>
             </a:fld>
             <a:endParaRPr lang="zh-TW" altLang="en-US"/>
           </a:p>
@@ -606,7 +606,7 @@
           <a:p>
             <a:fld id="{823CD612-5FE4-4A6B-A555-8A7E4E64E34C}" type="datetimeFigureOut">
               <a:rPr lang="zh-TW" altLang="en-US" smtClean="0"/>
-              <a:t>2015/12/5</a:t>
+              <a:t>2016/12/10</a:t>
             </a:fld>
             <a:endParaRPr lang="zh-TW" altLang="en-US"/>
           </a:p>
@@ -776,7 +776,7 @@
           <a:p>
             <a:fld id="{823CD612-5FE4-4A6B-A555-8A7E4E64E34C}" type="datetimeFigureOut">
               <a:rPr lang="zh-TW" altLang="en-US" smtClean="0"/>
-              <a:t>2015/12/5</a:t>
+              <a:t>2016/12/10</a:t>
             </a:fld>
             <a:endParaRPr lang="zh-TW" altLang="en-US"/>
           </a:p>
@@ -1022,7 +1022,7 @@
           <a:p>
             <a:fld id="{823CD612-5FE4-4A6B-A555-8A7E4E64E34C}" type="datetimeFigureOut">
               <a:rPr lang="zh-TW" altLang="en-US" smtClean="0"/>
-              <a:t>2015/12/5</a:t>
+              <a:t>2016/12/10</a:t>
             </a:fld>
             <a:endParaRPr lang="zh-TW" altLang="en-US"/>
           </a:p>
@@ -1254,7 +1254,7 @@
           <a:p>
             <a:fld id="{823CD612-5FE4-4A6B-A555-8A7E4E64E34C}" type="datetimeFigureOut">
               <a:rPr lang="zh-TW" altLang="en-US" smtClean="0"/>
-              <a:t>2015/12/5</a:t>
+              <a:t>2016/12/10</a:t>
             </a:fld>
             <a:endParaRPr lang="zh-TW" altLang="en-US"/>
           </a:p>
@@ -1621,7 +1621,7 @@
           <a:p>
             <a:fld id="{823CD612-5FE4-4A6B-A555-8A7E4E64E34C}" type="datetimeFigureOut">
               <a:rPr lang="zh-TW" altLang="en-US" smtClean="0"/>
-              <a:t>2015/12/5</a:t>
+              <a:t>2016/12/10</a:t>
             </a:fld>
             <a:endParaRPr lang="zh-TW" altLang="en-US"/>
           </a:p>
@@ -1739,7 +1739,7 @@
           <a:p>
             <a:fld id="{823CD612-5FE4-4A6B-A555-8A7E4E64E34C}" type="datetimeFigureOut">
               <a:rPr lang="zh-TW" altLang="en-US" smtClean="0"/>
-              <a:t>2015/12/5</a:t>
+              <a:t>2016/12/10</a:t>
             </a:fld>
             <a:endParaRPr lang="zh-TW" altLang="en-US"/>
           </a:p>
@@ -1834,7 +1834,7 @@
           <a:p>
             <a:fld id="{823CD612-5FE4-4A6B-A555-8A7E4E64E34C}" type="datetimeFigureOut">
               <a:rPr lang="zh-TW" altLang="en-US" smtClean="0"/>
-              <a:t>2015/12/5</a:t>
+              <a:t>2016/12/10</a:t>
             </a:fld>
             <a:endParaRPr lang="zh-TW" altLang="en-US"/>
           </a:p>
@@ -2111,7 +2111,7 @@
           <a:p>
             <a:fld id="{823CD612-5FE4-4A6B-A555-8A7E4E64E34C}" type="datetimeFigureOut">
               <a:rPr lang="zh-TW" altLang="en-US" smtClean="0"/>
-              <a:t>2015/12/5</a:t>
+              <a:t>2016/12/10</a:t>
             </a:fld>
             <a:endParaRPr lang="zh-TW" altLang="en-US"/>
           </a:p>
@@ -2364,7 +2364,7 @@
           <a:p>
             <a:fld id="{823CD612-5FE4-4A6B-A555-8A7E4E64E34C}" type="datetimeFigureOut">
               <a:rPr lang="zh-TW" altLang="en-US" smtClean="0"/>
-              <a:t>2015/12/5</a:t>
+              <a:t>2016/12/10</a:t>
             </a:fld>
             <a:endParaRPr lang="zh-TW" altLang="en-US"/>
           </a:p>
@@ -2577,7 +2577,7 @@
           <a:p>
             <a:fld id="{823CD612-5FE4-4A6B-A555-8A7E4E64E34C}" type="datetimeFigureOut">
               <a:rPr lang="zh-TW" altLang="en-US" smtClean="0"/>
-              <a:t>2015/12/5</a:t>
+              <a:t>2016/12/10</a:t>
             </a:fld>
             <a:endParaRPr lang="zh-TW" altLang="en-US"/>
           </a:p>
@@ -2968,6 +2968,14 @@
 <file path=ppt/slides/slide1.xml><?xml version="1.0" encoding="utf-8"?>
 <p:sld xmlns:a="http://schemas.openxmlformats.org/drawingml/2006/main" xmlns:r="http://schemas.openxmlformats.org/officeDocument/2006/relationships" xmlns:p="http://schemas.openxmlformats.org/presentationml/2006/main">
   <p:cSld>
+    <p:bg>
+      <p:bgPr>
+        <a:solidFill>
+          <a:schemeClr val="tx1"/>
+        </a:solidFill>
+        <a:effectLst/>
+      </p:bgPr>
+    </p:bg>
     <p:spTree>
       <p:nvGrpSpPr>
         <p:cNvPr id="1" name=""/>
@@ -2992,8 +3000,8 @@
         </p:nvSpPr>
         <p:spPr>
           <a:xfrm>
-            <a:off x="0" y="2549320"/>
-            <a:ext cx="12192000" cy="1446550"/>
+            <a:off x="0" y="1872212"/>
+            <a:ext cx="12192000" cy="2800767"/>
           </a:xfrm>
           <a:prstGeom prst="rect">
             <a:avLst/>
@@ -3006,14 +3014,51 @@
           </a:bodyPr>
           <a:lstStyle/>
           <a:p>
+            <a:pPr algn="ctr"/>
             <a:r>
               <a:rPr lang="zh-TW" altLang="en-US" sz="8800" b="1" dirty="0" smtClean="0">
-                <a:latin typeface="微軟正黑體" panose="020B0604030504040204" pitchFamily="34" charset="-120"/>
-                <a:ea typeface="微軟正黑體" panose="020B0604030504040204" pitchFamily="34" charset="-120"/>
-              </a:rPr>
-              <a:t>作業轉換訓練</a:t>
+                <a:solidFill>
+                  <a:schemeClr val="bg1"/>
+                </a:solidFill>
+                <a:latin typeface="微軟正黑體" panose="020B0604030504040204" pitchFamily="34" charset="-120"/>
+                <a:ea typeface="微軟正黑體" panose="020B0604030504040204" pitchFamily="34" charset="-120"/>
+              </a:rPr>
+              <a:t>作業轉換</a:t>
+            </a:r>
+            <a:r>
+              <a:rPr lang="zh-TW" altLang="en-US" sz="8800" b="1" dirty="0" smtClean="0">
+                <a:solidFill>
+                  <a:schemeClr val="bg1"/>
+                </a:solidFill>
+                <a:latin typeface="微軟正黑體" panose="020B0604030504040204" pitchFamily="34" charset="-120"/>
+                <a:ea typeface="微軟正黑體" panose="020B0604030504040204" pitchFamily="34" charset="-120"/>
+              </a:rPr>
+              <a:t>訓練</a:t>
+            </a:r>
+            <a:endParaRPr lang="en-US" altLang="zh-TW" sz="8800" b="1" dirty="0" smtClean="0">
+              <a:solidFill>
+                <a:schemeClr val="bg1"/>
+              </a:solidFill>
+              <a:latin typeface="微軟正黑體" panose="020B0604030504040204" pitchFamily="34" charset="-120"/>
+              <a:ea typeface="微軟正黑體" panose="020B0604030504040204" pitchFamily="34" charset="-120"/>
+            </a:endParaRPr>
+          </a:p>
+          <a:p>
+            <a:pPr algn="ctr"/>
+            <a:r>
+              <a:rPr lang="en-US" altLang="zh-TW" sz="8800" b="1" dirty="0" smtClean="0">
+                <a:solidFill>
+                  <a:schemeClr val="bg1"/>
+                </a:solidFill>
+                <a:latin typeface="微軟正黑體" panose="020B0604030504040204" pitchFamily="34" charset="-120"/>
+                <a:ea typeface="微軟正黑體" panose="020B0604030504040204" pitchFamily="34" charset="-120"/>
+              </a:rPr>
+              <a:t>Switching Task</a:t>
             </a:r>
             <a:endParaRPr lang="zh-TW" altLang="en-US" sz="8800" b="1" dirty="0">
+              <a:solidFill>
+                <a:schemeClr val="bg1"/>
+              </a:solidFill>
               <a:latin typeface="微軟正黑體" panose="020B0604030504040204" pitchFamily="34" charset="-120"/>
               <a:ea typeface="微軟正黑體" panose="020B0604030504040204" pitchFamily="34" charset="-120"/>
             </a:endParaRPr>
@@ -3825,6 +3870,9 @@
             <a:off x="0" y="0"/>
             <a:ext cx="12192000" cy="6858000"/>
           </a:xfrm>
+          <a:solidFill>
+            <a:schemeClr val="tx1"/>
+          </a:solidFill>
         </p:spPr>
         <p:txBody>
           <a:bodyPr>
@@ -3850,12 +3898,18 @@
             </a:pPr>
             <a:r>
               <a:rPr lang="zh-TW" altLang="en-US" b="1" u="sng" dirty="0" smtClean="0">
+                <a:solidFill>
+                  <a:schemeClr val="bg1"/>
+                </a:solidFill>
                 <a:latin typeface="微軟正黑體" panose="020B0604030504040204" pitchFamily="34" charset="-120"/>
                 <a:ea typeface="微軟正黑體" panose="020B0604030504040204" pitchFamily="34" charset="-120"/>
               </a:rPr>
               <a:t>得分回饋畫面說明</a:t>
             </a:r>
             <a:endParaRPr lang="en-US" altLang="zh-TW" b="1" u="sng" dirty="0" smtClean="0">
+              <a:solidFill>
+                <a:schemeClr val="bg1"/>
+              </a:solidFill>
               <a:latin typeface="微軟正黑體" panose="020B0604030504040204" pitchFamily="34" charset="-120"/>
               <a:ea typeface="微軟正黑體" panose="020B0604030504040204" pitchFamily="34" charset="-120"/>
             </a:endParaRPr>
@@ -3865,6 +3919,9 @@
               <a:buNone/>
             </a:pPr>
             <a:endParaRPr lang="en-US" altLang="zh-TW" b="1" u="sng" dirty="0">
+              <a:solidFill>
+                <a:schemeClr val="bg1"/>
+              </a:solidFill>
               <a:latin typeface="微軟正黑體" panose="020B0604030504040204" pitchFamily="34" charset="-120"/>
               <a:ea typeface="微軟正黑體" panose="020B0604030504040204" pitchFamily="34" charset="-120"/>
             </a:endParaRPr>
@@ -3874,6 +3931,9 @@
               <a:buNone/>
             </a:pPr>
             <a:endParaRPr lang="en-US" altLang="zh-TW" b="1" u="sng" dirty="0" smtClean="0">
+              <a:solidFill>
+                <a:schemeClr val="bg1"/>
+              </a:solidFill>
               <a:latin typeface="微軟正黑體" panose="020B0604030504040204" pitchFamily="34" charset="-120"/>
               <a:ea typeface="微軟正黑體" panose="020B0604030504040204" pitchFamily="34" charset="-120"/>
             </a:endParaRPr>
@@ -3884,6 +3944,9 @@
             </a:pPr>
             <a:r>
               <a:rPr lang="zh-TW" altLang="en-US" b="1" dirty="0">
+                <a:solidFill>
+                  <a:schemeClr val="bg1"/>
+                </a:solidFill>
                 <a:latin typeface="微軟正黑體" panose="020B0604030504040204" pitchFamily="34" charset="-120"/>
                 <a:ea typeface="微軟正黑體" panose="020B0604030504040204" pitchFamily="34" charset="-120"/>
               </a:rPr>
@@ -3891,6 +3954,9 @@
             </a:r>
             <a:r>
               <a:rPr lang="zh-TW" altLang="en-US" b="1" dirty="0" smtClean="0">
+                <a:solidFill>
+                  <a:schemeClr val="bg1"/>
+                </a:solidFill>
                 <a:latin typeface="微軟正黑體" panose="020B0604030504040204" pitchFamily="34" charset="-120"/>
                 <a:ea typeface="微軟正黑體" panose="020B0604030504040204" pitchFamily="34" charset="-120"/>
               </a:rPr>
@@ -3898,6 +3964,9 @@
             </a:r>
             <a:r>
               <a:rPr lang="en-US" altLang="zh-TW" b="1" dirty="0" smtClean="0">
+                <a:solidFill>
+                  <a:schemeClr val="bg1"/>
+                </a:solidFill>
                 <a:latin typeface="微軟正黑體" panose="020B0604030504040204" pitchFamily="34" charset="-120"/>
                 <a:ea typeface="微軟正黑體" panose="020B0604030504040204" pitchFamily="34" charset="-120"/>
               </a:rPr>
@@ -3905,6 +3974,9 @@
             </a:r>
             <a:r>
               <a:rPr lang="zh-TW" altLang="en-US" b="1" dirty="0" smtClean="0">
+                <a:solidFill>
+                  <a:schemeClr val="bg1"/>
+                </a:solidFill>
                 <a:latin typeface="微軟正黑體" panose="020B0604030504040204" pitchFamily="34" charset="-120"/>
                 <a:ea typeface="微軟正黑體" panose="020B0604030504040204" pitchFamily="34" charset="-120"/>
               </a:rPr>
@@ -3912,6 +3984,9 @@
             </a:r>
             <a:r>
               <a:rPr lang="en-US" altLang="zh-TW" b="1" dirty="0" smtClean="0">
+                <a:solidFill>
+                  <a:schemeClr val="bg1"/>
+                </a:solidFill>
                 <a:latin typeface="微軟正黑體" panose="020B0604030504040204" pitchFamily="34" charset="-120"/>
                 <a:ea typeface="微軟正黑體" panose="020B0604030504040204" pitchFamily="34" charset="-120"/>
               </a:rPr>
@@ -3919,6 +3994,9 @@
             </a:r>
             <a:r>
               <a:rPr lang="zh-TW" altLang="en-US" b="1" dirty="0" smtClean="0">
+                <a:solidFill>
+                  <a:schemeClr val="bg1"/>
+                </a:solidFill>
                 <a:latin typeface="微軟正黑體" panose="020B0604030504040204" pitchFamily="34" charset="-120"/>
                 <a:ea typeface="微軟正黑體" panose="020B0604030504040204" pitchFamily="34" charset="-120"/>
               </a:rPr>
@@ -3926,6 +4004,9 @@
             </a:r>
             <a:r>
               <a:rPr lang="en-US" altLang="zh-TW" b="1" dirty="0" smtClean="0">
+                <a:solidFill>
+                  <a:schemeClr val="bg1"/>
+                </a:solidFill>
                 <a:latin typeface="微軟正黑體" panose="020B0604030504040204" pitchFamily="34" charset="-120"/>
                 <a:ea typeface="微軟正黑體" panose="020B0604030504040204" pitchFamily="34" charset="-120"/>
               </a:rPr>
@@ -3933,12 +4014,18 @@
             </a:r>
             <a:r>
               <a:rPr lang="zh-TW" altLang="en-US" b="1" dirty="0" smtClean="0">
+                <a:solidFill>
+                  <a:schemeClr val="bg1"/>
+                </a:solidFill>
                 <a:latin typeface="微軟正黑體" panose="020B0604030504040204" pitchFamily="34" charset="-120"/>
                 <a:ea typeface="微軟正黑體" panose="020B0604030504040204" pitchFamily="34" charset="-120"/>
               </a:rPr>
               <a:t>分</a:t>
             </a:r>
             <a:endParaRPr lang="zh-TW" altLang="en-US" b="1" dirty="0">
+              <a:solidFill>
+                <a:schemeClr val="bg1"/>
+              </a:solidFill>
               <a:latin typeface="微軟正黑體" panose="020B0604030504040204" pitchFamily="34" charset="-120"/>
               <a:ea typeface="微軟正黑體" panose="020B0604030504040204" pitchFamily="34" charset="-120"/>
             </a:endParaRPr>
@@ -3948,6 +4035,9 @@
               <a:buNone/>
             </a:pPr>
             <a:endParaRPr lang="en-US" altLang="zh-TW" b="1" dirty="0" smtClean="0">
+              <a:solidFill>
+                <a:schemeClr val="bg1"/>
+              </a:solidFill>
               <a:latin typeface="微軟正黑體" panose="020B0604030504040204" pitchFamily="34" charset="-120"/>
               <a:ea typeface="微軟正黑體" panose="020B0604030504040204" pitchFamily="34" charset="-120"/>
             </a:endParaRPr>
@@ -3957,6 +4047,9 @@
               <a:buNone/>
             </a:pPr>
             <a:endParaRPr lang="zh-TW" altLang="en-US" b="1" dirty="0">
+              <a:solidFill>
+                <a:schemeClr val="bg1"/>
+              </a:solidFill>
               <a:latin typeface="微軟正黑體" panose="020B0604030504040204" pitchFamily="34" charset="-120"/>
               <a:ea typeface="微軟正黑體" panose="020B0604030504040204" pitchFamily="34" charset="-120"/>
             </a:endParaRPr>
@@ -3967,12 +4060,18 @@
             </a:pPr>
             <a:r>
               <a:rPr lang="zh-TW" altLang="en-US" b="1" dirty="0" smtClean="0">
+                <a:solidFill>
+                  <a:schemeClr val="bg1"/>
+                </a:solidFill>
                 <a:latin typeface="微軟正黑體" panose="020B0604030504040204" pitchFamily="34" charset="-120"/>
                 <a:ea typeface="微軟正黑體" panose="020B0604030504040204" pitchFamily="34" charset="-120"/>
               </a:rPr>
               <a:t>以上為各訓練區段結束後會顯示的區段總分</a:t>
             </a:r>
             <a:endParaRPr lang="en-US" altLang="zh-TW" b="1" dirty="0" smtClean="0">
+              <a:solidFill>
+                <a:schemeClr val="bg1"/>
+              </a:solidFill>
               <a:latin typeface="微軟正黑體" panose="020B0604030504040204" pitchFamily="34" charset="-120"/>
               <a:ea typeface="微軟正黑體" panose="020B0604030504040204" pitchFamily="34" charset="-120"/>
             </a:endParaRPr>
@@ -3983,6 +4082,9 @@
             </a:pPr>
             <a:r>
               <a:rPr lang="zh-TW" altLang="en-US" b="1" dirty="0" smtClean="0">
+                <a:solidFill>
+                  <a:schemeClr val="bg1"/>
+                </a:solidFill>
                 <a:latin typeface="微軟正黑體" panose="020B0604030504040204" pitchFamily="34" charset="-120"/>
                 <a:ea typeface="微軟正黑體" panose="020B0604030504040204" pitchFamily="34" charset="-120"/>
               </a:rPr>
@@ -3990,6 +4092,9 @@
             </a:r>
             <a:r>
               <a:rPr lang="en-US" altLang="zh-TW" b="1" dirty="0" smtClean="0">
+                <a:solidFill>
+                  <a:schemeClr val="bg1"/>
+                </a:solidFill>
                 <a:latin typeface="微軟正黑體" panose="020B0604030504040204" pitchFamily="34" charset="-120"/>
                 <a:ea typeface="微軟正黑體" panose="020B0604030504040204" pitchFamily="34" charset="-120"/>
               </a:rPr>
@@ -3997,6 +4102,9 @@
             </a:r>
             <a:r>
               <a:rPr lang="zh-TW" altLang="en-US" b="1" dirty="0">
+                <a:solidFill>
+                  <a:schemeClr val="bg1"/>
+                </a:solidFill>
                 <a:latin typeface="微軟正黑體" panose="020B0604030504040204" pitchFamily="34" charset="-120"/>
                 <a:ea typeface="微軟正黑體" panose="020B0604030504040204" pitchFamily="34" charset="-120"/>
               </a:rPr>
@@ -4069,6 +4177,9 @@
             <a:off x="0" y="0"/>
             <a:ext cx="12192000" cy="6858000"/>
           </a:xfrm>
+          <a:solidFill>
+            <a:schemeClr val="tx1"/>
+          </a:solidFill>
         </p:spPr>
         <p:txBody>
           <a:bodyPr>
@@ -4094,12 +4205,18 @@
             </a:pPr>
             <a:r>
               <a:rPr lang="zh-TW" altLang="en-US" b="1" u="sng" dirty="0" smtClean="0">
+                <a:solidFill>
+                  <a:schemeClr val="bg1"/>
+                </a:solidFill>
                 <a:latin typeface="微軟正黑體" panose="020B0604030504040204" pitchFamily="34" charset="-120"/>
                 <a:ea typeface="微軟正黑體" panose="020B0604030504040204" pitchFamily="34" charset="-120"/>
               </a:rPr>
               <a:t>得分回饋畫面說明</a:t>
             </a:r>
             <a:endParaRPr lang="en-US" altLang="zh-TW" b="1" u="sng" dirty="0" smtClean="0">
+              <a:solidFill>
+                <a:schemeClr val="bg1"/>
+              </a:solidFill>
               <a:latin typeface="微軟正黑體" panose="020B0604030504040204" pitchFamily="34" charset="-120"/>
               <a:ea typeface="微軟正黑體" panose="020B0604030504040204" pitchFamily="34" charset="-120"/>
             </a:endParaRPr>
@@ -4109,6 +4226,9 @@
               <a:buNone/>
             </a:pPr>
             <a:endParaRPr lang="en-US" altLang="zh-TW" b="1" u="sng" dirty="0">
+              <a:solidFill>
+                <a:schemeClr val="bg1"/>
+              </a:solidFill>
               <a:latin typeface="微軟正黑體" panose="020B0604030504040204" pitchFamily="34" charset="-120"/>
               <a:ea typeface="微軟正黑體" panose="020B0604030504040204" pitchFamily="34" charset="-120"/>
             </a:endParaRPr>
@@ -4118,6 +4238,9 @@
               <a:buNone/>
             </a:pPr>
             <a:endParaRPr lang="en-US" altLang="zh-TW" b="1" u="sng" dirty="0" smtClean="0">
+              <a:solidFill>
+                <a:schemeClr val="bg1"/>
+              </a:solidFill>
               <a:latin typeface="微軟正黑體" panose="020B0604030504040204" pitchFamily="34" charset="-120"/>
               <a:ea typeface="微軟正黑體" panose="020B0604030504040204" pitchFamily="34" charset="-120"/>
             </a:endParaRPr>
@@ -4128,6 +4251,9 @@
             </a:pPr>
             <a:r>
               <a:rPr lang="zh-TW" altLang="en-US" b="1" dirty="0">
+                <a:solidFill>
+                  <a:schemeClr val="bg1"/>
+                </a:solidFill>
                 <a:latin typeface="微軟正黑體" panose="020B0604030504040204" pitchFamily="34" charset="-120"/>
                 <a:ea typeface="微軟正黑體" panose="020B0604030504040204" pitchFamily="34" charset="-120"/>
               </a:rPr>
@@ -4135,6 +4261,9 @@
             </a:r>
             <a:r>
               <a:rPr lang="zh-TW" altLang="en-US" b="1" dirty="0" smtClean="0">
+                <a:solidFill>
+                  <a:schemeClr val="bg1"/>
+                </a:solidFill>
                 <a:latin typeface="微軟正黑體" panose="020B0604030504040204" pitchFamily="34" charset="-120"/>
                 <a:ea typeface="微軟正黑體" panose="020B0604030504040204" pitchFamily="34" charset="-120"/>
               </a:rPr>
@@ -4142,6 +4271,9 @@
             </a:r>
             <a:r>
               <a:rPr lang="en-US" altLang="zh-TW" b="1" dirty="0" smtClean="0">
+                <a:solidFill>
+                  <a:schemeClr val="bg1"/>
+                </a:solidFill>
                 <a:latin typeface="微軟正黑體" panose="020B0604030504040204" pitchFamily="34" charset="-120"/>
                 <a:ea typeface="微軟正黑體" panose="020B0604030504040204" pitchFamily="34" charset="-120"/>
               </a:rPr>
@@ -4149,6 +4281,9 @@
             </a:r>
             <a:r>
               <a:rPr lang="zh-TW" altLang="en-US" b="1" dirty="0" smtClean="0">
+                <a:solidFill>
+                  <a:schemeClr val="bg1"/>
+                </a:solidFill>
                 <a:latin typeface="微軟正黑體" panose="020B0604030504040204" pitchFamily="34" charset="-120"/>
                 <a:ea typeface="微軟正黑體" panose="020B0604030504040204" pitchFamily="34" charset="-120"/>
               </a:rPr>
@@ -4156,6 +4291,9 @@
             </a:r>
             <a:r>
               <a:rPr lang="en-US" altLang="zh-TW" b="1" dirty="0" smtClean="0">
+                <a:solidFill>
+                  <a:schemeClr val="bg1"/>
+                </a:solidFill>
                 <a:latin typeface="微軟正黑體" panose="020B0604030504040204" pitchFamily="34" charset="-120"/>
                 <a:ea typeface="微軟正黑體" panose="020B0604030504040204" pitchFamily="34" charset="-120"/>
               </a:rPr>
@@ -4167,6 +4305,9 @@
               <a:buNone/>
             </a:pPr>
             <a:endParaRPr lang="en-US" altLang="zh-TW" b="1" dirty="0">
+              <a:solidFill>
+                <a:schemeClr val="bg1"/>
+              </a:solidFill>
               <a:latin typeface="微軟正黑體" panose="020B0604030504040204" pitchFamily="34" charset="-120"/>
               <a:ea typeface="微軟正黑體" panose="020B0604030504040204" pitchFamily="34" charset="-120"/>
             </a:endParaRPr>
@@ -4176,6 +4317,9 @@
               <a:buNone/>
             </a:pPr>
             <a:endParaRPr lang="zh-TW" altLang="en-US" b="1" dirty="0">
+              <a:solidFill>
+                <a:schemeClr val="bg1"/>
+              </a:solidFill>
               <a:latin typeface="微軟正黑體" panose="020B0604030504040204" pitchFamily="34" charset="-120"/>
               <a:ea typeface="微軟正黑體" panose="020B0604030504040204" pitchFamily="34" charset="-120"/>
             </a:endParaRPr>
@@ -4186,6 +4330,9 @@
             </a:pPr>
             <a:r>
               <a:rPr lang="zh-TW" altLang="en-US" b="1" dirty="0" smtClean="0">
+                <a:solidFill>
+                  <a:schemeClr val="bg1"/>
+                </a:solidFill>
                 <a:latin typeface="微軟正黑體" panose="020B0604030504040204" pitchFamily="34" charset="-120"/>
                 <a:ea typeface="微軟正黑體" panose="020B0604030504040204" pitchFamily="34" charset="-120"/>
               </a:rPr>
@@ -4193,6 +4340,9 @@
             </a:r>
             <a:r>
               <a:rPr lang="zh-TW" altLang="en-US" b="1" dirty="0">
+                <a:solidFill>
+                  <a:schemeClr val="bg1"/>
+                </a:solidFill>
                 <a:latin typeface="微軟正黑體" panose="020B0604030504040204" pitchFamily="34" charset="-120"/>
                 <a:ea typeface="微軟正黑體" panose="020B0604030504040204" pitchFamily="34" charset="-120"/>
               </a:rPr>
@@ -4200,12 +4350,18 @@
             </a:r>
             <a:r>
               <a:rPr lang="zh-TW" altLang="en-US" b="1" dirty="0" smtClean="0">
+                <a:solidFill>
+                  <a:schemeClr val="bg1"/>
+                </a:solidFill>
                 <a:latin typeface="微軟正黑體" panose="020B0604030504040204" pitchFamily="34" charset="-120"/>
                 <a:ea typeface="微軟正黑體" panose="020B0604030504040204" pitchFamily="34" charset="-120"/>
               </a:rPr>
               <a:t>總分</a:t>
             </a:r>
             <a:endParaRPr lang="en-US" altLang="zh-TW" b="1" dirty="0" smtClean="0">
+              <a:solidFill>
+                <a:schemeClr val="bg1"/>
+              </a:solidFill>
               <a:latin typeface="微軟正黑體" panose="020B0604030504040204" pitchFamily="34" charset="-120"/>
               <a:ea typeface="微軟正黑體" panose="020B0604030504040204" pitchFamily="34" charset="-120"/>
             </a:endParaRPr>
@@ -4216,6 +4372,9 @@
             </a:pPr>
             <a:r>
               <a:rPr lang="zh-TW" altLang="en-US" b="1" dirty="0" smtClean="0">
+                <a:solidFill>
+                  <a:schemeClr val="bg1"/>
+                </a:solidFill>
                 <a:latin typeface="微軟正黑體" panose="020B0604030504040204" pitchFamily="34" charset="-120"/>
                 <a:ea typeface="微軟正黑體" panose="020B0604030504040204" pitchFamily="34" charset="-120"/>
               </a:rPr>
@@ -4223,6 +4382,9 @@
             </a:r>
             <a:r>
               <a:rPr lang="en-US" altLang="zh-TW" b="1" dirty="0" smtClean="0">
+                <a:solidFill>
+                  <a:schemeClr val="bg1"/>
+                </a:solidFill>
                 <a:latin typeface="微軟正黑體" panose="020B0604030504040204" pitchFamily="34" charset="-120"/>
                 <a:ea typeface="微軟正黑體" panose="020B0604030504040204" pitchFamily="34" charset="-120"/>
               </a:rPr>
@@ -4230,6 +4392,9 @@
             </a:r>
             <a:r>
               <a:rPr lang="zh-TW" altLang="en-US" b="1" dirty="0">
+                <a:solidFill>
+                  <a:schemeClr val="bg1"/>
+                </a:solidFill>
                 <a:latin typeface="微軟正黑體" panose="020B0604030504040204" pitchFamily="34" charset="-120"/>
                 <a:ea typeface="微軟正黑體" panose="020B0604030504040204" pitchFamily="34" charset="-120"/>
               </a:rPr>
@@ -4273,6 +4438,14 @@
 <file path=ppt/slides/slide2.xml><?xml version="1.0" encoding="utf-8"?>
 <p:sld xmlns:a="http://schemas.openxmlformats.org/drawingml/2006/main" xmlns:r="http://schemas.openxmlformats.org/officeDocument/2006/relationships" xmlns:p="http://schemas.openxmlformats.org/presentationml/2006/main">
   <p:cSld>
+    <p:bg>
+      <p:bgPr>
+        <a:solidFill>
+          <a:schemeClr val="tx1"/>
+        </a:solidFill>
+        <a:effectLst/>
+      </p:bgPr>
+    </p:bg>
     <p:spTree>
       <p:nvGrpSpPr>
         <p:cNvPr id="1" name=""/>
@@ -4326,9 +4499,22 @@
                 <a:latin typeface="微軟正黑體" panose="020B0604030504040204" pitchFamily="34" charset="-120"/>
                 <a:ea typeface="微軟正黑體" panose="020B0604030504040204" pitchFamily="34" charset="-120"/>
               </a:rPr>
-              <a:t>在這個訓練中，您可能會在圖案上方看到</a:t>
+              <a:t>在</a:t>
+            </a:r>
+            <a:r>
+              <a:rPr lang="zh-TW" altLang="en-US" b="1" dirty="0" smtClean="0">
+                <a:solidFill>
+                  <a:schemeClr val="bg1"/>
+                </a:solidFill>
+                <a:latin typeface="微軟正黑體" panose="020B0604030504040204" pitchFamily="34" charset="-120"/>
+                <a:ea typeface="微軟正黑體" panose="020B0604030504040204" pitchFamily="34" charset="-120"/>
+              </a:rPr>
+              <a:t>這個訓練中，您可能會在圖案上方看到</a:t>
             </a:r>
             <a:endParaRPr lang="en-US" altLang="zh-TW" b="1" dirty="0" smtClean="0">
+              <a:solidFill>
+                <a:schemeClr val="bg1"/>
+              </a:solidFill>
               <a:latin typeface="微軟正黑體" panose="020B0604030504040204" pitchFamily="34" charset="-120"/>
               <a:ea typeface="微軟正黑體" panose="020B0604030504040204" pitchFamily="34" charset="-120"/>
             </a:endParaRPr>
@@ -4339,6 +4525,9 @@
             </a:pPr>
             <a:r>
               <a:rPr lang="en-US" altLang="zh-TW" b="1" u="sng" dirty="0" smtClean="0">
+                <a:solidFill>
+                  <a:schemeClr val="bg1"/>
+                </a:solidFill>
                 <a:latin typeface="微軟正黑體" panose="020B0604030504040204" pitchFamily="34" charset="-120"/>
                 <a:ea typeface="微軟正黑體" panose="020B0604030504040204" pitchFamily="34" charset="-120"/>
               </a:rPr>
@@ -4346,6 +4535,9 @@
             </a:r>
             <a:r>
               <a:rPr lang="zh-TW" altLang="en-US" b="1" u="sng" dirty="0" smtClean="0">
+                <a:solidFill>
+                  <a:schemeClr val="bg1"/>
+                </a:solidFill>
                 <a:latin typeface="微軟正黑體" panose="020B0604030504040204" pitchFamily="34" charset="-120"/>
                 <a:ea typeface="微軟正黑體" panose="020B0604030504040204" pitchFamily="34" charset="-120"/>
               </a:rPr>
@@ -4353,6 +4545,9 @@
             </a:r>
             <a:r>
               <a:rPr lang="en-US" altLang="zh-TW" b="1" u="sng" dirty="0" smtClean="0">
+                <a:solidFill>
+                  <a:schemeClr val="bg1"/>
+                </a:solidFill>
                 <a:latin typeface="微軟正黑體" panose="020B0604030504040204" pitchFamily="34" charset="-120"/>
                 <a:ea typeface="微軟正黑體" panose="020B0604030504040204" pitchFamily="34" charset="-120"/>
               </a:rPr>
@@ -4360,6 +4555,9 @@
             </a:r>
             <a:r>
               <a:rPr lang="zh-TW" altLang="en-US" b="1" dirty="0" smtClean="0">
+                <a:solidFill>
+                  <a:schemeClr val="bg1"/>
+                </a:solidFill>
                 <a:latin typeface="微軟正黑體" panose="020B0604030504040204" pitchFamily="34" charset="-120"/>
                 <a:ea typeface="微軟正黑體" panose="020B0604030504040204" pitchFamily="34" charset="-120"/>
               </a:rPr>
@@ -4367,6 +4565,9 @@
             </a:r>
             <a:r>
               <a:rPr lang="en-US" altLang="zh-TW" b="1" u="sng" dirty="0" smtClean="0">
+                <a:solidFill>
+                  <a:schemeClr val="bg1"/>
+                </a:solidFill>
                 <a:latin typeface="微軟正黑體" panose="020B0604030504040204" pitchFamily="34" charset="-120"/>
                 <a:ea typeface="微軟正黑體" panose="020B0604030504040204" pitchFamily="34" charset="-120"/>
               </a:rPr>
@@ -4374,6 +4575,9 @@
             </a:r>
             <a:r>
               <a:rPr lang="zh-TW" altLang="en-US" b="1" u="sng" dirty="0" smtClean="0">
+                <a:solidFill>
+                  <a:schemeClr val="bg1"/>
+                </a:solidFill>
                 <a:latin typeface="微軟正黑體" panose="020B0604030504040204" pitchFamily="34" charset="-120"/>
                 <a:ea typeface="微軟正黑體" panose="020B0604030504040204" pitchFamily="34" charset="-120"/>
               </a:rPr>
@@ -4381,6 +4585,9 @@
             </a:r>
             <a:r>
               <a:rPr lang="en-US" altLang="zh-TW" b="1" u="sng" dirty="0" smtClean="0">
+                <a:solidFill>
+                  <a:schemeClr val="bg1"/>
+                </a:solidFill>
                 <a:latin typeface="微軟正黑體" panose="020B0604030504040204" pitchFamily="34" charset="-120"/>
                 <a:ea typeface="微軟正黑體" panose="020B0604030504040204" pitchFamily="34" charset="-120"/>
               </a:rPr>
@@ -4388,6 +4595,9 @@
             </a:r>
             <a:r>
               <a:rPr lang="zh-TW" altLang="en-US" b="1" dirty="0" smtClean="0">
+                <a:solidFill>
+                  <a:schemeClr val="bg1"/>
+                </a:solidFill>
                 <a:latin typeface="微軟正黑體" panose="020B0604030504040204" pitchFamily="34" charset="-120"/>
                 <a:ea typeface="微軟正黑體" panose="020B0604030504040204" pitchFamily="34" charset="-120"/>
               </a:rPr>
@@ -4395,6 +4605,9 @@
             </a:r>
             <a:r>
               <a:rPr lang="en-US" altLang="zh-TW" b="1" u="sng" dirty="0" smtClean="0">
+                <a:solidFill>
+                  <a:schemeClr val="bg1"/>
+                </a:solidFill>
                 <a:latin typeface="微軟正黑體" panose="020B0604030504040204" pitchFamily="34" charset="-120"/>
                 <a:ea typeface="微軟正黑體" panose="020B0604030504040204" pitchFamily="34" charset="-120"/>
               </a:rPr>
@@ -4402,6 +4615,9 @@
             </a:r>
             <a:r>
               <a:rPr lang="zh-TW" altLang="en-US" b="1" u="sng" dirty="0">
+                <a:solidFill>
+                  <a:schemeClr val="bg1"/>
+                </a:solidFill>
                 <a:latin typeface="微軟正黑體" panose="020B0604030504040204" pitchFamily="34" charset="-120"/>
                 <a:ea typeface="微軟正黑體" panose="020B0604030504040204" pitchFamily="34" charset="-120"/>
               </a:rPr>
@@ -4409,6 +4625,9 @@
             </a:r>
             <a:r>
               <a:rPr lang="en-US" altLang="zh-TW" b="1" u="sng" dirty="0" smtClean="0">
+                <a:solidFill>
+                  <a:schemeClr val="bg1"/>
+                </a:solidFill>
                 <a:latin typeface="微軟正黑體" panose="020B0604030504040204" pitchFamily="34" charset="-120"/>
                 <a:ea typeface="微軟正黑體" panose="020B0604030504040204" pitchFamily="34" charset="-120"/>
               </a:rPr>
@@ -4416,12 +4635,18 @@
             </a:r>
             <a:r>
               <a:rPr lang="zh-TW" altLang="en-US" b="1" dirty="0" smtClean="0">
+                <a:solidFill>
+                  <a:schemeClr val="bg1"/>
+                </a:solidFill>
                 <a:latin typeface="微軟正黑體" panose="020B0604030504040204" pitchFamily="34" charset="-120"/>
                 <a:ea typeface="微軟正黑體" panose="020B0604030504040204" pitchFamily="34" charset="-120"/>
               </a:rPr>
               <a:t>字</a:t>
             </a:r>
             <a:endParaRPr lang="en-US" altLang="zh-TW" b="1" dirty="0" smtClean="0">
+              <a:solidFill>
+                <a:schemeClr val="bg1"/>
+              </a:solidFill>
               <a:latin typeface="微軟正黑體" panose="020B0604030504040204" pitchFamily="34" charset="-120"/>
               <a:ea typeface="微軟正黑體" panose="020B0604030504040204" pitchFamily="34" charset="-120"/>
             </a:endParaRPr>
@@ -4431,6 +4656,9 @@
               <a:buNone/>
             </a:pPr>
             <a:endParaRPr lang="en-US" altLang="zh-TW" b="1" dirty="0" smtClean="0">
+              <a:solidFill>
+                <a:schemeClr val="bg1"/>
+              </a:solidFill>
               <a:latin typeface="微軟正黑體" panose="020B0604030504040204" pitchFamily="34" charset="-120"/>
               <a:ea typeface="微軟正黑體" panose="020B0604030504040204" pitchFamily="34" charset="-120"/>
             </a:endParaRPr>
@@ -4441,12 +4669,18 @@
             </a:pPr>
             <a:r>
               <a:rPr lang="zh-TW" altLang="en-US" b="1" dirty="0" smtClean="0">
+                <a:solidFill>
+                  <a:schemeClr val="bg1"/>
+                </a:solidFill>
                 <a:latin typeface="微軟正黑體" panose="020B0604030504040204" pitchFamily="34" charset="-120"/>
                 <a:ea typeface="微軟正黑體" panose="020B0604030504040204" pitchFamily="34" charset="-120"/>
               </a:rPr>
               <a:t>請依據所出現的文字</a:t>
             </a:r>
             <a:endParaRPr lang="en-US" altLang="zh-TW" b="1" dirty="0" smtClean="0">
+              <a:solidFill>
+                <a:schemeClr val="bg1"/>
+              </a:solidFill>
               <a:latin typeface="微軟正黑體" panose="020B0604030504040204" pitchFamily="34" charset="-120"/>
               <a:ea typeface="微軟正黑體" panose="020B0604030504040204" pitchFamily="34" charset="-120"/>
             </a:endParaRPr>
@@ -4456,20 +4690,19 @@
               <a:buNone/>
             </a:pPr>
             <a:r>
-              <a:rPr lang="zh-TW" altLang="en-US" b="1" smtClean="0">
-                <a:latin typeface="微軟正黑體" panose="020B0604030504040204" pitchFamily="34" charset="-120"/>
-                <a:ea typeface="微軟正黑體" panose="020B0604030504040204" pitchFamily="34" charset="-120"/>
-              </a:rPr>
-              <a:t>判斷左、右</a:t>
-            </a:r>
-            <a:r>
               <a:rPr lang="zh-TW" altLang="en-US" b="1" dirty="0" smtClean="0">
-                <a:latin typeface="微軟正黑體" panose="020B0604030504040204" pitchFamily="34" charset="-120"/>
-                <a:ea typeface="微軟正黑體" panose="020B0604030504040204" pitchFamily="34" charset="-120"/>
-              </a:rPr>
-              <a:t>兩圖</a:t>
+                <a:solidFill>
+                  <a:schemeClr val="bg1"/>
+                </a:solidFill>
+                <a:latin typeface="微軟正黑體" panose="020B0604030504040204" pitchFamily="34" charset="-120"/>
+                <a:ea typeface="微軟正黑體" panose="020B0604030504040204" pitchFamily="34" charset="-120"/>
+              </a:rPr>
+              <a:t>判斷左、右兩圖</a:t>
             </a:r>
             <a:endParaRPr lang="en-US" altLang="zh-TW" b="1" dirty="0" smtClean="0">
+              <a:solidFill>
+                <a:schemeClr val="bg1"/>
+              </a:solidFill>
               <a:latin typeface="微軟正黑體" panose="020B0604030504040204" pitchFamily="34" charset="-120"/>
               <a:ea typeface="微軟正黑體" panose="020B0604030504040204" pitchFamily="34" charset="-120"/>
             </a:endParaRPr>
@@ -4480,6 +4713,9 @@
             </a:pPr>
             <a:r>
               <a:rPr lang="zh-TW" altLang="en-US" b="1" dirty="0" smtClean="0">
+                <a:solidFill>
+                  <a:schemeClr val="bg1"/>
+                </a:solidFill>
                 <a:latin typeface="微軟正黑體" panose="020B0604030504040204" pitchFamily="34" charset="-120"/>
                 <a:ea typeface="微軟正黑體" panose="020B0604030504040204" pitchFamily="34" charset="-120"/>
               </a:rPr>
@@ -4487,6 +4723,9 @@
             </a:r>
             <a:r>
               <a:rPr lang="en-US" altLang="zh-TW" b="1" u="sng" dirty="0" smtClean="0">
+                <a:solidFill>
+                  <a:schemeClr val="bg1"/>
+                </a:solidFill>
                 <a:latin typeface="微軟正黑體" panose="020B0604030504040204" pitchFamily="34" charset="-120"/>
                 <a:ea typeface="微軟正黑體" panose="020B0604030504040204" pitchFamily="34" charset="-120"/>
               </a:rPr>
@@ -4494,6 +4733,9 @@
             </a:r>
             <a:r>
               <a:rPr lang="zh-TW" altLang="en-US" b="1" u="sng" dirty="0" smtClean="0">
+                <a:solidFill>
+                  <a:schemeClr val="bg1"/>
+                </a:solidFill>
                 <a:latin typeface="微軟正黑體" panose="020B0604030504040204" pitchFamily="34" charset="-120"/>
                 <a:ea typeface="微軟正黑體" panose="020B0604030504040204" pitchFamily="34" charset="-120"/>
               </a:rPr>
@@ -4501,12 +4743,18 @@
             </a:r>
             <a:r>
               <a:rPr lang="en-US" altLang="zh-TW" b="1" u="sng" dirty="0" smtClean="0">
+                <a:solidFill>
+                  <a:schemeClr val="bg1"/>
+                </a:solidFill>
                 <a:latin typeface="微軟正黑體" panose="020B0604030504040204" pitchFamily="34" charset="-120"/>
                 <a:ea typeface="微軟正黑體" panose="020B0604030504040204" pitchFamily="34" charset="-120"/>
               </a:rPr>
               <a:t>&gt;</a:t>
             </a:r>
             <a:endParaRPr lang="en-US" altLang="zh-TW" b="1" dirty="0">
+              <a:solidFill>
+                <a:schemeClr val="bg1"/>
+              </a:solidFill>
               <a:latin typeface="微軟正黑體" panose="020B0604030504040204" pitchFamily="34" charset="-120"/>
               <a:ea typeface="微軟正黑體" panose="020B0604030504040204" pitchFamily="34" charset="-120"/>
             </a:endParaRPr>
@@ -4517,6 +4765,9 @@
             </a:pPr>
             <a:r>
               <a:rPr lang="zh-TW" altLang="en-US" b="1" dirty="0" smtClean="0">
+                <a:solidFill>
+                  <a:schemeClr val="bg1"/>
+                </a:solidFill>
                 <a:latin typeface="微軟正黑體" panose="020B0604030504040204" pitchFamily="34" charset="-120"/>
                 <a:ea typeface="微軟正黑體" panose="020B0604030504040204" pitchFamily="34" charset="-120"/>
               </a:rPr>
@@ -4524,6 +4775,9 @@
             </a:r>
             <a:r>
               <a:rPr lang="en-US" altLang="zh-TW" b="1" u="sng" dirty="0" smtClean="0">
+                <a:solidFill>
+                  <a:schemeClr val="bg1"/>
+                </a:solidFill>
                 <a:latin typeface="微軟正黑體" panose="020B0604030504040204" pitchFamily="34" charset="-120"/>
                 <a:ea typeface="微軟正黑體" panose="020B0604030504040204" pitchFamily="34" charset="-120"/>
               </a:rPr>
@@ -4531,6 +4785,9 @@
             </a:r>
             <a:r>
               <a:rPr lang="zh-TW" altLang="en-US" b="1" u="sng" dirty="0" smtClean="0">
+                <a:solidFill>
+                  <a:schemeClr val="bg1"/>
+                </a:solidFill>
                 <a:latin typeface="微軟正黑體" panose="020B0604030504040204" pitchFamily="34" charset="-120"/>
                 <a:ea typeface="微軟正黑體" panose="020B0604030504040204" pitchFamily="34" charset="-120"/>
               </a:rPr>
@@ -4538,6 +4795,9 @@
             </a:r>
             <a:r>
               <a:rPr lang="en-US" altLang="zh-TW" b="1" u="sng" dirty="0" smtClean="0">
+                <a:solidFill>
+                  <a:schemeClr val="bg1"/>
+                </a:solidFill>
                 <a:latin typeface="微軟正黑體" panose="020B0604030504040204" pitchFamily="34" charset="-120"/>
                 <a:ea typeface="微軟正黑體" panose="020B0604030504040204" pitchFamily="34" charset="-120"/>
               </a:rPr>
@@ -4550,6 +4810,9 @@
             </a:pPr>
             <a:r>
               <a:rPr lang="zh-TW" altLang="en-US" b="1" dirty="0" smtClean="0">
+                <a:solidFill>
+                  <a:schemeClr val="bg1"/>
+                </a:solidFill>
                 <a:latin typeface="微軟正黑體" panose="020B0604030504040204" pitchFamily="34" charset="-120"/>
                 <a:ea typeface="微軟正黑體" panose="020B0604030504040204" pitchFamily="34" charset="-120"/>
               </a:rPr>
@@ -4557,6 +4820,9 @@
             </a:r>
             <a:r>
               <a:rPr lang="en-US" altLang="zh-TW" b="1" u="sng" dirty="0" smtClean="0">
+                <a:solidFill>
+                  <a:schemeClr val="bg1"/>
+                </a:solidFill>
                 <a:latin typeface="微軟正黑體" panose="020B0604030504040204" pitchFamily="34" charset="-120"/>
                 <a:ea typeface="微軟正黑體" panose="020B0604030504040204" pitchFamily="34" charset="-120"/>
               </a:rPr>
@@ -4564,6 +4830,9 @@
             </a:r>
             <a:r>
               <a:rPr lang="zh-TW" altLang="en-US" b="1" u="sng" dirty="0" smtClean="0">
+                <a:solidFill>
+                  <a:schemeClr val="bg1"/>
+                </a:solidFill>
                 <a:latin typeface="微軟正黑體" panose="020B0604030504040204" pitchFamily="34" charset="-120"/>
                 <a:ea typeface="微軟正黑體" panose="020B0604030504040204" pitchFamily="34" charset="-120"/>
               </a:rPr>
@@ -4571,6 +4840,9 @@
             </a:r>
             <a:r>
               <a:rPr lang="en-US" altLang="zh-TW" b="1" u="sng" dirty="0" smtClean="0">
+                <a:solidFill>
+                  <a:schemeClr val="bg1"/>
+                </a:solidFill>
                 <a:latin typeface="微軟正黑體" panose="020B0604030504040204" pitchFamily="34" charset="-120"/>
                 <a:ea typeface="微軟正黑體" panose="020B0604030504040204" pitchFamily="34" charset="-120"/>
               </a:rPr>
@@ -4583,6 +4855,9 @@
             </a:pPr>
             <a:r>
               <a:rPr lang="zh-TW" altLang="en-US" b="1" dirty="0" smtClean="0">
+                <a:solidFill>
+                  <a:schemeClr val="bg1"/>
+                </a:solidFill>
                 <a:latin typeface="微軟正黑體" panose="020B0604030504040204" pitchFamily="34" charset="-120"/>
                 <a:ea typeface="微軟正黑體" panose="020B0604030504040204" pitchFamily="34" charset="-120"/>
               </a:rPr>
@@ -4590,6 +4865,9 @@
             </a:r>
             <a:r>
               <a:rPr lang="en-US" altLang="zh-TW" b="1" u="sng" dirty="0" smtClean="0">
+                <a:solidFill>
+                  <a:schemeClr val="bg1"/>
+                </a:solidFill>
                 <a:latin typeface="微軟正黑體" panose="020B0604030504040204" pitchFamily="34" charset="-120"/>
                 <a:ea typeface="微軟正黑體" panose="020B0604030504040204" pitchFamily="34" charset="-120"/>
               </a:rPr>
@@ -4597,6 +4875,9 @@
             </a:r>
             <a:r>
               <a:rPr lang="zh-TW" altLang="en-US" b="1" u="sng" dirty="0" smtClean="0">
+                <a:solidFill>
+                  <a:schemeClr val="bg1"/>
+                </a:solidFill>
                 <a:latin typeface="微軟正黑體" panose="020B0604030504040204" pitchFamily="34" charset="-120"/>
                 <a:ea typeface="微軟正黑體" panose="020B0604030504040204" pitchFamily="34" charset="-120"/>
               </a:rPr>
@@ -4604,6 +4885,9 @@
             </a:r>
             <a:r>
               <a:rPr lang="en-US" altLang="zh-TW" b="1" u="sng" dirty="0" smtClean="0">
+                <a:solidFill>
+                  <a:schemeClr val="bg1"/>
+                </a:solidFill>
                 <a:latin typeface="微軟正黑體" panose="020B0604030504040204" pitchFamily="34" charset="-120"/>
                 <a:ea typeface="微軟正黑體" panose="020B0604030504040204" pitchFamily="34" charset="-120"/>
               </a:rPr>
@@ -4611,6 +4895,9 @@
             </a:r>
             <a:r>
               <a:rPr lang="zh-TW" altLang="en-US" b="1" dirty="0" smtClean="0">
+                <a:solidFill>
+                  <a:schemeClr val="bg1"/>
+                </a:solidFill>
                 <a:latin typeface="微軟正黑體" panose="020B0604030504040204" pitchFamily="34" charset="-120"/>
                 <a:ea typeface="微軟正黑體" panose="020B0604030504040204" pitchFamily="34" charset="-120"/>
               </a:rPr>
@@ -4618,6 +4905,9 @@
             </a:r>
             <a:r>
               <a:rPr lang="en-US" altLang="zh-TW" b="1" u="sng" dirty="0" smtClean="0">
+                <a:solidFill>
+                  <a:schemeClr val="bg1"/>
+                </a:solidFill>
                 <a:latin typeface="微軟正黑體" panose="020B0604030504040204" pitchFamily="34" charset="-120"/>
                 <a:ea typeface="微軟正黑體" panose="020B0604030504040204" pitchFamily="34" charset="-120"/>
               </a:rPr>
@@ -4625,6 +4915,9 @@
             </a:r>
             <a:r>
               <a:rPr lang="zh-TW" altLang="en-US" b="1" u="sng" dirty="0" smtClean="0">
+                <a:solidFill>
+                  <a:schemeClr val="bg1"/>
+                </a:solidFill>
                 <a:latin typeface="微軟正黑體" panose="020B0604030504040204" pitchFamily="34" charset="-120"/>
                 <a:ea typeface="微軟正黑體" panose="020B0604030504040204" pitchFamily="34" charset="-120"/>
               </a:rPr>
@@ -4632,6 +4925,9 @@
             </a:r>
             <a:r>
               <a:rPr lang="en-US" altLang="zh-TW" b="1" u="sng" dirty="0" smtClean="0">
+                <a:solidFill>
+                  <a:schemeClr val="bg1"/>
+                </a:solidFill>
                 <a:latin typeface="微軟正黑體" panose="020B0604030504040204" pitchFamily="34" charset="-120"/>
                 <a:ea typeface="微軟正黑體" panose="020B0604030504040204" pitchFamily="34" charset="-120"/>
               </a:rPr>
@@ -4641,6 +4937,9 @@
           <a:p>
             <a:pPr algn="ctr"/>
             <a:endParaRPr lang="en-US" altLang="zh-TW" b="1" dirty="0" smtClean="0">
+              <a:solidFill>
+                <a:schemeClr val="bg1"/>
+              </a:solidFill>
               <a:latin typeface="微軟正黑體" panose="020B0604030504040204" pitchFamily="34" charset="-120"/>
               <a:ea typeface="微軟正黑體" panose="020B0604030504040204" pitchFamily="34" charset="-120"/>
             </a:endParaRPr>
@@ -4650,6 +4949,9 @@
               <a:buNone/>
             </a:pPr>
             <a:endParaRPr lang="en-US" altLang="zh-TW" b="1" dirty="0" smtClean="0">
+              <a:solidFill>
+                <a:schemeClr val="bg1"/>
+              </a:solidFill>
               <a:latin typeface="微軟正黑體" panose="020B0604030504040204" pitchFamily="34" charset="-120"/>
               <a:ea typeface="微軟正黑體" panose="020B0604030504040204" pitchFamily="34" charset="-120"/>
             </a:endParaRPr>
@@ -4660,6 +4962,9 @@
             </a:pPr>
             <a:r>
               <a:rPr lang="en-US" altLang="zh-TW" b="1" dirty="0" smtClean="0">
+                <a:solidFill>
+                  <a:schemeClr val="bg1"/>
+                </a:solidFill>
                 <a:latin typeface="微軟正黑體" panose="020B0604030504040204" pitchFamily="34" charset="-120"/>
                 <a:ea typeface="微軟正黑體" panose="020B0604030504040204" pitchFamily="34" charset="-120"/>
               </a:rPr>
@@ -4667,6 +4972,9 @@
             </a:r>
             <a:r>
               <a:rPr lang="zh-TW" altLang="en-US" b="1" dirty="0" smtClean="0">
+                <a:solidFill>
+                  <a:schemeClr val="bg1"/>
+                </a:solidFill>
                 <a:latin typeface="微軟正黑體" panose="020B0604030504040204" pitchFamily="34" charset="-120"/>
                 <a:ea typeface="微軟正黑體" panose="020B0604030504040204" pitchFamily="34" charset="-120"/>
               </a:rPr>
@@ -4674,6 +4982,9 @@
             </a:r>
             <a:r>
               <a:rPr lang="zh-TW" altLang="en-US" b="1" dirty="0">
+                <a:solidFill>
+                  <a:schemeClr val="bg1"/>
+                </a:solidFill>
                 <a:latin typeface="微軟正黑體" panose="020B0604030504040204" pitchFamily="34" charset="-120"/>
                 <a:ea typeface="微軟正黑體" panose="020B0604030504040204" pitchFamily="34" charset="-120"/>
               </a:rPr>
@@ -4681,6 +4992,9 @@
             </a:r>
             <a:r>
               <a:rPr lang="zh-TW" altLang="en-US" b="1" dirty="0" smtClean="0">
+                <a:solidFill>
+                  <a:schemeClr val="bg1"/>
+                </a:solidFill>
                 <a:latin typeface="微軟正黑體" panose="020B0604030504040204" pitchFamily="34" charset="-120"/>
                 <a:ea typeface="微軟正黑體" panose="020B0604030504040204" pitchFamily="34" charset="-120"/>
               </a:rPr>
@@ -4688,12 +5002,18 @@
             </a:r>
             <a:r>
               <a:rPr lang="en-US" altLang="zh-TW" b="1" dirty="0" smtClean="0">
+                <a:solidFill>
+                  <a:schemeClr val="bg1"/>
+                </a:solidFill>
                 <a:latin typeface="微軟正黑體" panose="020B0604030504040204" pitchFamily="34" charset="-120"/>
                 <a:ea typeface="微軟正黑體" panose="020B0604030504040204" pitchFamily="34" charset="-120"/>
               </a:rPr>
               <a:t>&gt;</a:t>
             </a:r>
             <a:endParaRPr lang="zh-TW" altLang="en-US" b="1" dirty="0">
+              <a:solidFill>
+                <a:schemeClr val="bg1"/>
+              </a:solidFill>
               <a:latin typeface="微軟正黑體" panose="020B0604030504040204" pitchFamily="34" charset="-120"/>
               <a:ea typeface="微軟正黑體" panose="020B0604030504040204" pitchFamily="34" charset="-120"/>
             </a:endParaRPr>
@@ -4735,6 +5055,14 @@
 <file path=ppt/slides/slide3.xml><?xml version="1.0" encoding="utf-8"?>
 <p:sld xmlns:a="http://schemas.openxmlformats.org/drawingml/2006/main" xmlns:r="http://schemas.openxmlformats.org/officeDocument/2006/relationships" xmlns:p="http://schemas.openxmlformats.org/presentationml/2006/main">
   <p:cSld>
+    <p:bg>
+      <p:bgPr>
+        <a:solidFill>
+          <a:schemeClr val="tx1"/>
+        </a:solidFill>
+        <a:effectLst/>
+      </p:bgPr>
+    </p:bg>
     <p:spTree>
       <p:nvGrpSpPr>
         <p:cNvPr id="1" name=""/>
@@ -4807,12 +5135,18 @@
             </a:pPr>
             <a:r>
               <a:rPr lang="zh-TW" altLang="en-US" sz="3600" b="1" u="sng" dirty="0" smtClean="0">
+                <a:solidFill>
+                  <a:schemeClr val="bg1"/>
+                </a:solidFill>
                 <a:latin typeface="微軟正黑體" panose="020B0604030504040204" pitchFamily="34" charset="-120"/>
                 <a:ea typeface="微軟正黑體" panose="020B0604030504040204" pitchFamily="34" charset="-120"/>
               </a:rPr>
               <a:t>請注意</a:t>
             </a:r>
             <a:endParaRPr lang="en-US" altLang="zh-TW" sz="3600" b="1" u="sng" dirty="0" smtClean="0">
+              <a:solidFill>
+                <a:schemeClr val="bg1"/>
+              </a:solidFill>
               <a:latin typeface="微軟正黑體" panose="020B0604030504040204" pitchFamily="34" charset="-120"/>
               <a:ea typeface="微軟正黑體" panose="020B0604030504040204" pitchFamily="34" charset="-120"/>
             </a:endParaRPr>
@@ -4822,6 +5156,9 @@
               <a:buNone/>
             </a:pPr>
             <a:endParaRPr lang="en-US" altLang="zh-TW" sz="3600" b="1" dirty="0" smtClean="0">
+              <a:solidFill>
+                <a:schemeClr val="bg1"/>
+              </a:solidFill>
               <a:latin typeface="微軟正黑體" panose="020B0604030504040204" pitchFamily="34" charset="-120"/>
               <a:ea typeface="微軟正黑體" panose="020B0604030504040204" pitchFamily="34" charset="-120"/>
             </a:endParaRPr>
@@ -4832,12 +5169,18 @@
             </a:pPr>
             <a:r>
               <a:rPr lang="zh-TW" altLang="en-US" sz="3600" b="1" dirty="0" smtClean="0">
+                <a:solidFill>
+                  <a:schemeClr val="bg1"/>
+                </a:solidFill>
                 <a:latin typeface="微軟正黑體" panose="020B0604030504040204" pitchFamily="34" charset="-120"/>
                 <a:ea typeface="微軟正黑體" panose="020B0604030504040204" pitchFamily="34" charset="-120"/>
               </a:rPr>
               <a:t>鍵盤上設定的左右鍵分別為</a:t>
             </a:r>
             <a:endParaRPr lang="en-US" altLang="zh-TW" sz="3600" b="1" dirty="0" smtClean="0">
+              <a:solidFill>
+                <a:schemeClr val="bg1"/>
+              </a:solidFill>
               <a:latin typeface="微軟正黑體" panose="020B0604030504040204" pitchFamily="34" charset="-120"/>
               <a:ea typeface="微軟正黑體" panose="020B0604030504040204" pitchFamily="34" charset="-120"/>
             </a:endParaRPr>
@@ -4847,6 +5190,9 @@
               <a:buNone/>
             </a:pPr>
             <a:endParaRPr lang="en-US" altLang="zh-TW" sz="3600" b="1" dirty="0" smtClean="0">
+              <a:solidFill>
+                <a:schemeClr val="bg1"/>
+              </a:solidFill>
               <a:latin typeface="微軟正黑體" panose="020B0604030504040204" pitchFamily="34" charset="-120"/>
               <a:ea typeface="微軟正黑體" panose="020B0604030504040204" pitchFamily="34" charset="-120"/>
             </a:endParaRPr>
@@ -4857,6 +5203,9 @@
             </a:pPr>
             <a:r>
               <a:rPr lang="zh-TW" altLang="en-US" sz="3600" b="1" dirty="0" smtClean="0">
+                <a:solidFill>
+                  <a:schemeClr val="bg1"/>
+                </a:solidFill>
                 <a:latin typeface="微軟正黑體" panose="020B0604030504040204" pitchFamily="34" charset="-120"/>
                 <a:ea typeface="微軟正黑體" panose="020B0604030504040204" pitchFamily="34" charset="-120"/>
               </a:rPr>
@@ -4864,6 +5213,9 @@
             </a:r>
             <a:r>
               <a:rPr lang="en-US" altLang="zh-TW" sz="3600" b="1" dirty="0" smtClean="0">
+                <a:solidFill>
+                  <a:schemeClr val="bg1"/>
+                </a:solidFill>
                 <a:latin typeface="微軟正黑體" panose="020B0604030504040204" pitchFamily="34" charset="-120"/>
                 <a:ea typeface="微軟正黑體" panose="020B0604030504040204" pitchFamily="34" charset="-120"/>
               </a:rPr>
@@ -4871,6 +5223,9 @@
             </a:r>
             <a:r>
               <a:rPr lang="zh-TW" altLang="en-US" sz="3600" b="1" dirty="0" smtClean="0">
+                <a:solidFill>
+                  <a:schemeClr val="bg1"/>
+                </a:solidFill>
                 <a:latin typeface="微軟正黑體" panose="020B0604030504040204" pitchFamily="34" charset="-120"/>
                 <a:ea typeface="微軟正黑體" panose="020B0604030504040204" pitchFamily="34" charset="-120"/>
               </a:rPr>
@@ -4878,6 +5233,9 @@
             </a:r>
             <a:r>
               <a:rPr lang="en-US" altLang="zh-TW" sz="3600" b="1" dirty="0" smtClean="0">
+                <a:solidFill>
+                  <a:schemeClr val="bg1"/>
+                </a:solidFill>
                 <a:latin typeface="微軟正黑體" panose="020B0604030504040204" pitchFamily="34" charset="-120"/>
                 <a:ea typeface="微軟正黑體" panose="020B0604030504040204" pitchFamily="34" charset="-120"/>
               </a:rPr>
@@ -4889,6 +5247,9 @@
               <a:buNone/>
             </a:pPr>
             <a:endParaRPr lang="en-US" altLang="zh-TW" sz="3600" b="1" dirty="0" smtClean="0">
+              <a:solidFill>
+                <a:schemeClr val="bg1"/>
+              </a:solidFill>
               <a:latin typeface="微軟正黑體" panose="020B0604030504040204" pitchFamily="34" charset="-120"/>
               <a:ea typeface="微軟正黑體" panose="020B0604030504040204" pitchFamily="34" charset="-120"/>
             </a:endParaRPr>
@@ -4899,12 +5260,18 @@
             </a:pPr>
             <a:r>
               <a:rPr lang="zh-TW" altLang="en-US" sz="3600" b="1" dirty="0" smtClean="0">
+                <a:solidFill>
+                  <a:schemeClr val="bg1"/>
+                </a:solidFill>
                 <a:latin typeface="微軟正黑體" panose="020B0604030504040204" pitchFamily="34" charset="-120"/>
                 <a:ea typeface="微軟正黑體" panose="020B0604030504040204" pitchFamily="34" charset="-120"/>
               </a:rPr>
               <a:t>按鍵上方會貼貼紙標明</a:t>
             </a:r>
             <a:endParaRPr lang="en-US" altLang="zh-TW" sz="3600" b="1" dirty="0" smtClean="0">
+              <a:solidFill>
+                <a:schemeClr val="bg1"/>
+              </a:solidFill>
               <a:latin typeface="微軟正黑體" panose="020B0604030504040204" pitchFamily="34" charset="-120"/>
               <a:ea typeface="微軟正黑體" panose="020B0604030504040204" pitchFamily="34" charset="-120"/>
             </a:endParaRPr>
